--- a/extended version/cache.pptx
+++ b/extended version/cache.pptx
@@ -243,7 +243,7 @@
           <a:p>
             <a:fld id="{185F0BFD-5608-4F22-A047-776EBFDB86C9}" type="datetimeFigureOut">
               <a:rPr lang="en-AU" smtClean="0"/>
-              <a:t>19/09/2018</a:t>
+              <a:t>20/09/2018</a:t>
             </a:fld>
             <a:endParaRPr lang="en-AU"/>
           </a:p>
@@ -413,7 +413,7 @@
           <a:p>
             <a:fld id="{185F0BFD-5608-4F22-A047-776EBFDB86C9}" type="datetimeFigureOut">
               <a:rPr lang="en-AU" smtClean="0"/>
-              <a:t>19/09/2018</a:t>
+              <a:t>20/09/2018</a:t>
             </a:fld>
             <a:endParaRPr lang="en-AU"/>
           </a:p>
@@ -593,7 +593,7 @@
           <a:p>
             <a:fld id="{185F0BFD-5608-4F22-A047-776EBFDB86C9}" type="datetimeFigureOut">
               <a:rPr lang="en-AU" smtClean="0"/>
-              <a:t>19/09/2018</a:t>
+              <a:t>20/09/2018</a:t>
             </a:fld>
             <a:endParaRPr lang="en-AU"/>
           </a:p>
@@ -763,7 +763,7 @@
           <a:p>
             <a:fld id="{185F0BFD-5608-4F22-A047-776EBFDB86C9}" type="datetimeFigureOut">
               <a:rPr lang="en-AU" smtClean="0"/>
-              <a:t>19/09/2018</a:t>
+              <a:t>20/09/2018</a:t>
             </a:fld>
             <a:endParaRPr lang="en-AU"/>
           </a:p>
@@ -1009,7 +1009,7 @@
           <a:p>
             <a:fld id="{185F0BFD-5608-4F22-A047-776EBFDB86C9}" type="datetimeFigureOut">
               <a:rPr lang="en-AU" smtClean="0"/>
-              <a:t>19/09/2018</a:t>
+              <a:t>20/09/2018</a:t>
             </a:fld>
             <a:endParaRPr lang="en-AU"/>
           </a:p>
@@ -1241,7 +1241,7 @@
           <a:p>
             <a:fld id="{185F0BFD-5608-4F22-A047-776EBFDB86C9}" type="datetimeFigureOut">
               <a:rPr lang="en-AU" smtClean="0"/>
-              <a:t>19/09/2018</a:t>
+              <a:t>20/09/2018</a:t>
             </a:fld>
             <a:endParaRPr lang="en-AU"/>
           </a:p>
@@ -1608,7 +1608,7 @@
           <a:p>
             <a:fld id="{185F0BFD-5608-4F22-A047-776EBFDB86C9}" type="datetimeFigureOut">
               <a:rPr lang="en-AU" smtClean="0"/>
-              <a:t>19/09/2018</a:t>
+              <a:t>20/09/2018</a:t>
             </a:fld>
             <a:endParaRPr lang="en-AU"/>
           </a:p>
@@ -1726,7 +1726,7 @@
           <a:p>
             <a:fld id="{185F0BFD-5608-4F22-A047-776EBFDB86C9}" type="datetimeFigureOut">
               <a:rPr lang="en-AU" smtClean="0"/>
-              <a:t>19/09/2018</a:t>
+              <a:t>20/09/2018</a:t>
             </a:fld>
             <a:endParaRPr lang="en-AU"/>
           </a:p>
@@ -1821,7 +1821,7 @@
           <a:p>
             <a:fld id="{185F0BFD-5608-4F22-A047-776EBFDB86C9}" type="datetimeFigureOut">
               <a:rPr lang="en-AU" smtClean="0"/>
-              <a:t>19/09/2018</a:t>
+              <a:t>20/09/2018</a:t>
             </a:fld>
             <a:endParaRPr lang="en-AU"/>
           </a:p>
@@ -2098,7 +2098,7 @@
           <a:p>
             <a:fld id="{185F0BFD-5608-4F22-A047-776EBFDB86C9}" type="datetimeFigureOut">
               <a:rPr lang="en-AU" smtClean="0"/>
-              <a:t>19/09/2018</a:t>
+              <a:t>20/09/2018</a:t>
             </a:fld>
             <a:endParaRPr lang="en-AU"/>
           </a:p>
@@ -2351,7 +2351,7 @@
           <a:p>
             <a:fld id="{185F0BFD-5608-4F22-A047-776EBFDB86C9}" type="datetimeFigureOut">
               <a:rPr lang="en-AU" smtClean="0"/>
-              <a:t>19/09/2018</a:t>
+              <a:t>20/09/2018</a:t>
             </a:fld>
             <a:endParaRPr lang="en-AU"/>
           </a:p>
@@ -2564,7 +2564,7 @@
           <a:p>
             <a:fld id="{185F0BFD-5608-4F22-A047-776EBFDB86C9}" type="datetimeFigureOut">
               <a:rPr lang="en-AU" smtClean="0"/>
-              <a:t>19/09/2018</a:t>
+              <a:t>20/09/2018</a:t>
             </a:fld>
             <a:endParaRPr lang="en-AU"/>
           </a:p>
@@ -2969,8 +2969,8 @@
           <a:chExt cx="0" cy="0"/>
         </a:xfrm>
       </p:grpSpPr>
-      <mc:AlternateContent xmlns:mc="http://schemas.openxmlformats.org/markup-compatibility/2006" xmlns:a14="http://schemas.microsoft.com/office/drawing/2010/main">
-        <mc:Choice Requires="a14">
+      <mc:AlternateContent xmlns:mc="http://schemas.openxmlformats.org/markup-compatibility/2006">
+        <mc:Choice xmlns:a14="http://schemas.microsoft.com/office/drawing/2010/main" Requires="a14">
           <p:graphicFrame>
             <p:nvGraphicFramePr>
               <p:cNvPr id="43" name="Table 42"/>
@@ -2980,7 +2980,7 @@
               <p:nvPr>
                 <p:extLst>
                   <p:ext uri="{D42A27DB-BD31-4B8C-83A1-F6EECF244321}">
-                    <p14:modId xmlns:p14="http://schemas.microsoft.com/office/powerpoint/2010/main" val="877081000"/>
+                    <p14:modId xmlns:p14="http://schemas.microsoft.com/office/powerpoint/2010/main" val="2310772416"/>
                   </p:ext>
                 </p:extLst>
               </p:nvPr>
@@ -3058,7 +3058,7 @@
                                       <a:rPr lang="en-AU" sz="1800" b="0" i="1" smtClean="0">
                                         <a:latin typeface="Cambria Math" panose="02040503050406030204" pitchFamily="18" charset="0"/>
                                       </a:rPr>
-                                      <m:t>𝑉</m:t>
+                                      <m:t>𝑋</m:t>
                                     </m:r>
                                   </m:e>
                                   <m:sub>
@@ -3110,7 +3110,7 @@
                                       <a:rPr lang="en-AU" sz="1800" b="0" i="1" smtClean="0">
                                         <a:latin typeface="Cambria Math" panose="02040503050406030204" pitchFamily="18" charset="0"/>
                                       </a:rPr>
-                                      <m:t>𝑉</m:t>
+                                      <m:t>𝑋</m:t>
                                     </m:r>
                                   </m:e>
                                   <m:sub>
@@ -3162,7 +3162,7 @@
                                       <a:rPr lang="en-AU" sz="1800" b="0" i="1" smtClean="0">
                                         <a:latin typeface="Cambria Math" panose="02040503050406030204" pitchFamily="18" charset="0"/>
                                       </a:rPr>
-                                      <m:t>𝑉</m:t>
+                                      <m:t>𝑋</m:t>
                                     </m:r>
                                   </m:e>
                                   <m:sub>
@@ -3214,7 +3214,7 @@
                                       <a:rPr lang="en-AU" sz="1800" b="0" i="1" smtClean="0">
                                         <a:latin typeface="Cambria Math" panose="02040503050406030204" pitchFamily="18" charset="0"/>
                                       </a:rPr>
-                                      <m:t>𝑉</m:t>
+                                      <m:t>𝑋</m:t>
                                     </m:r>
                                   </m:e>
                                   <m:sub>
@@ -3266,7 +3266,7 @@
                                       <a:rPr lang="en-AU" sz="1800" b="0" i="1" smtClean="0">
                                         <a:latin typeface="Cambria Math" panose="02040503050406030204" pitchFamily="18" charset="0"/>
                                       </a:rPr>
-                                      <m:t>𝑉</m:t>
+                                      <m:t>𝑋</m:t>
                                     </m:r>
                                   </m:e>
                                   <m:sub>
@@ -3334,7 +3334,7 @@
                                       <a:rPr lang="en-AU" sz="1800" b="0" i="1" smtClean="0">
                                         <a:latin typeface="Cambria Math" panose="02040503050406030204" pitchFamily="18" charset="0"/>
                                       </a:rPr>
-                                      <m:t>𝑉</m:t>
+                                      <m:t>𝑋</m:t>
                                     </m:r>
                                   </m:e>
                                   <m:sub>
@@ -3403,7 +3403,7 @@
                                       <a:rPr lang="en-AU" sz="1800" b="0" i="1" smtClean="0">
                                         <a:latin typeface="Cambria Math" panose="02040503050406030204" pitchFamily="18" charset="0"/>
                                       </a:rPr>
-                                      <m:t>𝑉</m:t>
+                                      <m:t>𝑋</m:t>
                                     </m:r>
                                   </m:e>
                                   <m:sub>
@@ -3472,7 +3472,7 @@
                                       <a:rPr lang="en-AU" sz="1800" b="0" i="1" smtClean="0">
                                         <a:latin typeface="Cambria Math" panose="02040503050406030204" pitchFamily="18" charset="0"/>
                                       </a:rPr>
-                                      <m:t>𝑉</m:t>
+                                      <m:t>𝑋</m:t>
                                     </m:r>
                                   </m:e>
                                   <m:sub>
@@ -3503,7 +3503,7 @@
             </a:graphic>
           </p:graphicFrame>
         </mc:Choice>
-        <mc:Fallback xmlns="">
+        <mc:Fallback>
           <p:graphicFrame>
             <p:nvGraphicFramePr>
               <p:cNvPr id="43" name="Table 42"/>
@@ -3513,7 +3513,7 @@
               <p:nvPr>
                 <p:extLst>
                   <p:ext uri="{D42A27DB-BD31-4B8C-83A1-F6EECF244321}">
-                    <p14:modId xmlns:p14="http://schemas.microsoft.com/office/powerpoint/2010/main" val="877081000"/>
+                    <p14:modId xmlns:p14="http://schemas.microsoft.com/office/powerpoint/2010/main" val="2310772416"/>
                   </p:ext>
                 </p:extLst>
               </p:nvPr>
@@ -4037,8 +4037,8 @@
           </a:p>
         </p:txBody>
       </p:sp>
-      <mc:AlternateContent xmlns:mc="http://schemas.openxmlformats.org/markup-compatibility/2006">
-        <mc:Choice xmlns:a14="http://schemas.microsoft.com/office/drawing/2010/main" Requires="a14">
+      <mc:AlternateContent xmlns:mc="http://schemas.openxmlformats.org/markup-compatibility/2006" xmlns:a14="http://schemas.microsoft.com/office/drawing/2010/main">
+        <mc:Choice Requires="a14">
           <p:graphicFrame>
             <p:nvGraphicFramePr>
               <p:cNvPr id="63" name="Table 62"/>
@@ -4522,7 +4522,7 @@
             </a:graphic>
           </p:graphicFrame>
         </mc:Choice>
-        <mc:Fallback>
+        <mc:Fallback xmlns="">
           <p:graphicFrame>
             <p:nvGraphicFramePr>
               <p:cNvPr id="63" name="Table 62"/>

--- a/extended version/cache.pptx
+++ b/extended version/cache.pptx
@@ -243,7 +243,7 @@
           <a:p>
             <a:fld id="{185F0BFD-5608-4F22-A047-776EBFDB86C9}" type="datetimeFigureOut">
               <a:rPr lang="en-AU" smtClean="0"/>
-              <a:t>20/09/2018</a:t>
+              <a:t>9/11/2018</a:t>
             </a:fld>
             <a:endParaRPr lang="en-AU"/>
           </a:p>
@@ -413,7 +413,7 @@
           <a:p>
             <a:fld id="{185F0BFD-5608-4F22-A047-776EBFDB86C9}" type="datetimeFigureOut">
               <a:rPr lang="en-AU" smtClean="0"/>
-              <a:t>20/09/2018</a:t>
+              <a:t>9/11/2018</a:t>
             </a:fld>
             <a:endParaRPr lang="en-AU"/>
           </a:p>
@@ -593,7 +593,7 @@
           <a:p>
             <a:fld id="{185F0BFD-5608-4F22-A047-776EBFDB86C9}" type="datetimeFigureOut">
               <a:rPr lang="en-AU" smtClean="0"/>
-              <a:t>20/09/2018</a:t>
+              <a:t>9/11/2018</a:t>
             </a:fld>
             <a:endParaRPr lang="en-AU"/>
           </a:p>
@@ -763,7 +763,7 @@
           <a:p>
             <a:fld id="{185F0BFD-5608-4F22-A047-776EBFDB86C9}" type="datetimeFigureOut">
               <a:rPr lang="en-AU" smtClean="0"/>
-              <a:t>20/09/2018</a:t>
+              <a:t>9/11/2018</a:t>
             </a:fld>
             <a:endParaRPr lang="en-AU"/>
           </a:p>
@@ -1009,7 +1009,7 @@
           <a:p>
             <a:fld id="{185F0BFD-5608-4F22-A047-776EBFDB86C9}" type="datetimeFigureOut">
               <a:rPr lang="en-AU" smtClean="0"/>
-              <a:t>20/09/2018</a:t>
+              <a:t>9/11/2018</a:t>
             </a:fld>
             <a:endParaRPr lang="en-AU"/>
           </a:p>
@@ -1241,7 +1241,7 @@
           <a:p>
             <a:fld id="{185F0BFD-5608-4F22-A047-776EBFDB86C9}" type="datetimeFigureOut">
               <a:rPr lang="en-AU" smtClean="0"/>
-              <a:t>20/09/2018</a:t>
+              <a:t>9/11/2018</a:t>
             </a:fld>
             <a:endParaRPr lang="en-AU"/>
           </a:p>
@@ -1608,7 +1608,7 @@
           <a:p>
             <a:fld id="{185F0BFD-5608-4F22-A047-776EBFDB86C9}" type="datetimeFigureOut">
               <a:rPr lang="en-AU" smtClean="0"/>
-              <a:t>20/09/2018</a:t>
+              <a:t>9/11/2018</a:t>
             </a:fld>
             <a:endParaRPr lang="en-AU"/>
           </a:p>
@@ -1726,7 +1726,7 @@
           <a:p>
             <a:fld id="{185F0BFD-5608-4F22-A047-776EBFDB86C9}" type="datetimeFigureOut">
               <a:rPr lang="en-AU" smtClean="0"/>
-              <a:t>20/09/2018</a:t>
+              <a:t>9/11/2018</a:t>
             </a:fld>
             <a:endParaRPr lang="en-AU"/>
           </a:p>
@@ -1821,7 +1821,7 @@
           <a:p>
             <a:fld id="{185F0BFD-5608-4F22-A047-776EBFDB86C9}" type="datetimeFigureOut">
               <a:rPr lang="en-AU" smtClean="0"/>
-              <a:t>20/09/2018</a:t>
+              <a:t>9/11/2018</a:t>
             </a:fld>
             <a:endParaRPr lang="en-AU"/>
           </a:p>
@@ -2098,7 +2098,7 @@
           <a:p>
             <a:fld id="{185F0BFD-5608-4F22-A047-776EBFDB86C9}" type="datetimeFigureOut">
               <a:rPr lang="en-AU" smtClean="0"/>
-              <a:t>20/09/2018</a:t>
+              <a:t>9/11/2018</a:t>
             </a:fld>
             <a:endParaRPr lang="en-AU"/>
           </a:p>
@@ -2351,7 +2351,7 @@
           <a:p>
             <a:fld id="{185F0BFD-5608-4F22-A047-776EBFDB86C9}" type="datetimeFigureOut">
               <a:rPr lang="en-AU" smtClean="0"/>
-              <a:t>20/09/2018</a:t>
+              <a:t>9/11/2018</a:t>
             </a:fld>
             <a:endParaRPr lang="en-AU"/>
           </a:p>
@@ -2564,7 +2564,7 @@
           <a:p>
             <a:fld id="{185F0BFD-5608-4F22-A047-776EBFDB86C9}" type="datetimeFigureOut">
               <a:rPr lang="en-AU" smtClean="0"/>
-              <a:t>20/09/2018</a:t>
+              <a:t>9/11/2018</a:t>
             </a:fld>
             <a:endParaRPr lang="en-AU"/>
           </a:p>
@@ -2980,13 +2980,13 @@
               <p:nvPr>
                 <p:extLst>
                   <p:ext uri="{D42A27DB-BD31-4B8C-83A1-F6EECF244321}">
-                    <p14:modId xmlns:p14="http://schemas.microsoft.com/office/powerpoint/2010/main" val="2310772416"/>
+                    <p14:modId xmlns:p14="http://schemas.microsoft.com/office/powerpoint/2010/main" val="1537851703"/>
                   </p:ext>
                 </p:extLst>
               </p:nvPr>
             </p:nvGraphicFramePr>
             <p:xfrm>
-              <a:off x="281444" y="1930513"/>
+              <a:off x="3182586" y="650353"/>
               <a:ext cx="942700" cy="4300787"/>
             </p:xfrm>
             <a:graphic>
@@ -3513,13 +3513,13 @@
               <p:nvPr>
                 <p:extLst>
                   <p:ext uri="{D42A27DB-BD31-4B8C-83A1-F6EECF244321}">
-                    <p14:modId xmlns:p14="http://schemas.microsoft.com/office/powerpoint/2010/main" val="2310772416"/>
+                    <p14:modId xmlns:p14="http://schemas.microsoft.com/office/powerpoint/2010/main" val="1537851703"/>
                   </p:ext>
                 </p:extLst>
               </p:nvPr>
             </p:nvGraphicFramePr>
             <p:xfrm>
-              <a:off x="281444" y="1930513"/>
+              <a:off x="3182586" y="650353"/>
               <a:ext cx="942700" cy="4300787"/>
             </p:xfrm>
             <a:graphic>
@@ -3805,7 +3805,7 @@
         </p:nvSpPr>
         <p:spPr>
           <a:xfrm>
-            <a:off x="702858" y="4582712"/>
+            <a:off x="3604000" y="3302552"/>
             <a:ext cx="74685" cy="64190"/>
           </a:xfrm>
           <a:prstGeom prst="ellipse">
@@ -3853,7 +3853,7 @@
         </p:nvSpPr>
         <p:spPr>
           <a:xfrm>
-            <a:off x="702857" y="4758208"/>
+            <a:off x="3603999" y="3478048"/>
             <a:ext cx="74685" cy="64190"/>
           </a:xfrm>
           <a:prstGeom prst="ellipse">
@@ -3901,7 +3901,7 @@
         </p:nvSpPr>
         <p:spPr>
           <a:xfrm>
-            <a:off x="702857" y="4947088"/>
+            <a:off x="3603999" y="3666928"/>
             <a:ext cx="74685" cy="64190"/>
           </a:xfrm>
           <a:prstGeom prst="ellipse">
@@ -3949,7 +3949,7 @@
         </p:nvSpPr>
         <p:spPr>
           <a:xfrm>
-            <a:off x="689005" y="5541447"/>
+            <a:off x="3590147" y="4261287"/>
             <a:ext cx="74685" cy="64190"/>
           </a:xfrm>
           <a:prstGeom prst="ellipse">
@@ -3997,7 +3997,7 @@
         </p:nvSpPr>
         <p:spPr>
           <a:xfrm>
-            <a:off x="689004" y="5716943"/>
+            <a:off x="3590146" y="4436783"/>
             <a:ext cx="74685" cy="64190"/>
           </a:xfrm>
           <a:prstGeom prst="ellipse">
@@ -4037,8 +4037,8 @@
           </a:p>
         </p:txBody>
       </p:sp>
-      <mc:AlternateContent xmlns:mc="http://schemas.openxmlformats.org/markup-compatibility/2006" xmlns:a14="http://schemas.microsoft.com/office/drawing/2010/main">
-        <mc:Choice Requires="a14">
+      <mc:AlternateContent xmlns:mc="http://schemas.openxmlformats.org/markup-compatibility/2006">
+        <mc:Choice xmlns:a14="http://schemas.microsoft.com/office/drawing/2010/main" Requires="a14">
           <p:graphicFrame>
             <p:nvGraphicFramePr>
               <p:cNvPr id="63" name="Table 62"/>
@@ -4048,13 +4048,13 @@
               <p:nvPr>
                 <p:extLst>
                   <p:ext uri="{D42A27DB-BD31-4B8C-83A1-F6EECF244321}">
-                    <p14:modId xmlns:p14="http://schemas.microsoft.com/office/powerpoint/2010/main" val="3758909417"/>
+                    <p14:modId xmlns:p14="http://schemas.microsoft.com/office/powerpoint/2010/main" val="2424140356"/>
                   </p:ext>
                 </p:extLst>
               </p:nvPr>
             </p:nvGraphicFramePr>
             <p:xfrm>
-              <a:off x="1224144" y="1930513"/>
+              <a:off x="4125286" y="650353"/>
               <a:ext cx="1107878" cy="4300787"/>
             </p:xfrm>
             <a:graphic>
@@ -4522,7 +4522,7 @@
             </a:graphic>
           </p:graphicFrame>
         </mc:Choice>
-        <mc:Fallback xmlns="">
+        <mc:Fallback>
           <p:graphicFrame>
             <p:nvGraphicFramePr>
               <p:cNvPr id="63" name="Table 62"/>
@@ -4532,13 +4532,13 @@
               <p:nvPr>
                 <p:extLst>
                   <p:ext uri="{D42A27DB-BD31-4B8C-83A1-F6EECF244321}">
-                    <p14:modId xmlns:p14="http://schemas.microsoft.com/office/powerpoint/2010/main" val="3758909417"/>
+                    <p14:modId xmlns:p14="http://schemas.microsoft.com/office/powerpoint/2010/main" val="2424140356"/>
                   </p:ext>
                 </p:extLst>
               </p:nvPr>
             </p:nvGraphicFramePr>
             <p:xfrm>
-              <a:off x="1224144" y="1930513"/>
+              <a:off x="4125286" y="650353"/>
               <a:ext cx="1107878" cy="4300787"/>
             </p:xfrm>
             <a:graphic>
@@ -4824,7 +4824,7 @@
         </p:nvSpPr>
         <p:spPr>
           <a:xfrm>
-            <a:off x="1645558" y="4582712"/>
+            <a:off x="4546700" y="3302552"/>
             <a:ext cx="74685" cy="64190"/>
           </a:xfrm>
           <a:prstGeom prst="ellipse">
@@ -4872,7 +4872,7 @@
         </p:nvSpPr>
         <p:spPr>
           <a:xfrm>
-            <a:off x="1645557" y="4758208"/>
+            <a:off x="4546699" y="3478048"/>
             <a:ext cx="74685" cy="64190"/>
           </a:xfrm>
           <a:prstGeom prst="ellipse">
@@ -4920,7 +4920,7 @@
         </p:nvSpPr>
         <p:spPr>
           <a:xfrm>
-            <a:off x="1645557" y="4947088"/>
+            <a:off x="4546699" y="3666928"/>
             <a:ext cx="74685" cy="64190"/>
           </a:xfrm>
           <a:prstGeom prst="ellipse">
@@ -4968,7 +4968,7 @@
         </p:nvSpPr>
         <p:spPr>
           <a:xfrm>
-            <a:off x="1631705" y="5541447"/>
+            <a:off x="4532847" y="4261287"/>
             <a:ext cx="74685" cy="64190"/>
           </a:xfrm>
           <a:prstGeom prst="ellipse">
@@ -5016,7 +5016,7 @@
         </p:nvSpPr>
         <p:spPr>
           <a:xfrm>
-            <a:off x="1631704" y="5716943"/>
+            <a:off x="4532846" y="4436783"/>
             <a:ext cx="74685" cy="64190"/>
           </a:xfrm>
           <a:prstGeom prst="ellipse">
@@ -5078,7 +5078,7 @@
         </p:blipFill>
         <p:spPr>
           <a:xfrm>
-            <a:off x="3910707" y="3153962"/>
+            <a:off x="6811849" y="1873802"/>
             <a:ext cx="2857500" cy="2857500"/>
           </a:xfrm>
           <a:prstGeom prst="rect">
@@ -5086,8 +5086,8 @@
           </a:prstGeom>
         </p:spPr>
       </p:pic>
-      <mc:AlternateContent xmlns:mc="http://schemas.openxmlformats.org/markup-compatibility/2006" xmlns:a14="http://schemas.microsoft.com/office/drawing/2010/main">
-        <mc:Choice Requires="a14">
+      <mc:AlternateContent xmlns:mc="http://schemas.openxmlformats.org/markup-compatibility/2006">
+        <mc:Choice xmlns:a14="http://schemas.microsoft.com/office/drawing/2010/main" Requires="a14">
           <p:sp>
             <p:nvSpPr>
               <p:cNvPr id="4" name="Rectangle 3"/>
@@ -5096,7 +5096,7 @@
             </p:nvSpPr>
             <p:spPr>
               <a:xfrm>
-                <a:off x="717671" y="6355990"/>
+                <a:off x="3618813" y="5075830"/>
                 <a:ext cx="914033" cy="369332"/>
               </a:xfrm>
               <a:prstGeom prst="rect">
@@ -5137,7 +5137,7 @@
             </p:txBody>
           </p:sp>
         </mc:Choice>
-        <mc:Fallback xmlns="">
+        <mc:Fallback>
           <p:sp>
             <p:nvSpPr>
               <p:cNvPr id="4" name="Rectangle 3"/>
@@ -5148,7 +5148,7 @@
             </p:nvSpPr>
             <p:spPr>
               <a:xfrm>
-                <a:off x="717671" y="6355990"/>
+                <a:off x="3618813" y="5075830"/>
                 <a:ext cx="914033" cy="369332"/>
               </a:xfrm>
               <a:prstGeom prst="rect">
@@ -5184,7 +5184,7 @@
         </p:nvCxnSpPr>
         <p:spPr>
           <a:xfrm>
-            <a:off x="2332022" y="3683156"/>
+            <a:off x="5233164" y="2402996"/>
             <a:ext cx="1668833" cy="963746"/>
           </a:xfrm>
           <a:prstGeom prst="bentConnector3">
@@ -5217,7 +5217,7 @@
         </p:nvSpPr>
         <p:spPr>
           <a:xfrm>
-            <a:off x="4975032" y="6171324"/>
+            <a:off x="7876174" y="4891164"/>
             <a:ext cx="1077987" cy="369332"/>
           </a:xfrm>
           <a:prstGeom prst="rect">
@@ -5247,7 +5247,7 @@
         </p:nvCxnSpPr>
         <p:spPr>
           <a:xfrm flipV="1">
-            <a:off x="2364780" y="4790303"/>
+            <a:off x="5265922" y="3510143"/>
             <a:ext cx="1636075" cy="508957"/>
           </a:xfrm>
           <a:prstGeom prst="bentConnector3">
